--- a/德塔华瑞集搜索算法介绍.pptx
+++ b/德塔华瑞集搜索算法介绍.pptx
@@ -3650,7 +3650,23 @@
             </a:r>
             <a:r>
               <a:rPr lang="zh-CN" altLang="en-US" dirty="0" smtClean="0"/>
-              <a:t>细搜（主要成分，重心成分，带权评估）。</a:t>
+              <a:t>细搜（主要</a:t>
+            </a:r>
+            <a:r>
+              <a:rPr lang="zh-CN" altLang="en-US" dirty="0" smtClean="0"/>
+              <a:t>成份，</a:t>
+            </a:r>
+            <a:r>
+              <a:rPr lang="zh-CN" altLang="en-US" dirty="0" smtClean="0"/>
+              <a:t>重心</a:t>
+            </a:r>
+            <a:r>
+              <a:rPr lang="zh-CN" altLang="en-US" dirty="0" smtClean="0"/>
+              <a:t>成份，</a:t>
+            </a:r>
+            <a:r>
+              <a:rPr lang="zh-CN" altLang="en-US" dirty="0" smtClean="0"/>
+              <a:t>带权评估）。</a:t>
             </a:r>
             <a:endParaRPr lang="en-US" altLang="zh-CN" dirty="0" smtClean="0"/>
           </a:p>
@@ -4581,7 +4597,23 @@
           <a:p>
             <a:r>
               <a:rPr lang="zh-CN" altLang="en-US" dirty="0" smtClean="0"/>
-              <a:t>这个速度和精度，保证了德塔养料经华瑞集的极速分析能力。</a:t>
+              <a:t>这个速度和精度，保证了德塔</a:t>
+            </a:r>
+            <a:r>
+              <a:rPr lang="zh-CN" altLang="en-US" dirty="0" smtClean="0"/>
+              <a:t>养</a:t>
+            </a:r>
+            <a:r>
+              <a:rPr lang="zh-CN" altLang="en-US" dirty="0"/>
+              <a:t>疗</a:t>
+            </a:r>
+            <a:r>
+              <a:rPr lang="zh-CN" altLang="en-US" dirty="0" smtClean="0"/>
+              <a:t>经</a:t>
+            </a:r>
+            <a:r>
+              <a:rPr lang="zh-CN" altLang="en-US" dirty="0" smtClean="0"/>
+              <a:t>华瑞集的极速分析能力。</a:t>
             </a:r>
             <a:endParaRPr lang="zh-CN" altLang="en-US" dirty="0"/>
           </a:p>
